--- a/Documents/OOP_Slides_Nhom13.pptx
+++ b/Documents/OOP_Slides_Nhom13.pptx
@@ -2,17 +2,17 @@
 <file path=ppt/presentation.xml><?xml version="1.0" encoding="utf-8"?>
 <p:presentation xmlns:a="http://schemas.openxmlformats.org/drawingml/2006/main" xmlns:r="http://schemas.openxmlformats.org/officeDocument/2006/relationships" xmlns:p="http://schemas.openxmlformats.org/presentationml/2006/main" saveSubsetFonts="1">
   <p:sldMasterIdLst>
-    <p:sldMasterId id="2147483760" r:id="rId1"/>
+    <p:sldMasterId id="2147483760" r:id="rId3"/>
   </p:sldMasterIdLst>
   <p:sldIdLst>
-    <p:sldId id="256" r:id="rId2"/>
-    <p:sldId id="257" r:id="rId3"/>
-    <p:sldId id="258" r:id="rId4"/>
-    <p:sldId id="259" r:id="rId5"/>
-    <p:sldId id="261" r:id="rId6"/>
-    <p:sldId id="262" r:id="rId7"/>
-    <p:sldId id="263" r:id="rId8"/>
-    <p:sldId id="260" r:id="rId9"/>
+    <p:sldId id="256" r:id="rId4"/>
+    <p:sldId id="257" r:id="rId5"/>
+    <p:sldId id="258" r:id="rId6"/>
+    <p:sldId id="259" r:id="rId7"/>
+    <p:sldId id="261" r:id="rId8"/>
+    <p:sldId id="262" r:id="rId9"/>
+    <p:sldId id="263" r:id="rId10"/>
+    <p:sldId id="260" r:id="rId11"/>
   </p:sldIdLst>
   <p:sldSz cx="12192000" cy="6858000"/>
   <p:notesSz cx="6858000" cy="9144000"/>
@@ -111,6 +111,11 @@
       </a:defRPr>
     </a:lvl9pPr>
   </p:defaultTextStyle>
+  <p:extLst>
+    <p:ext uri="{EFAFB233-063F-42B5-8137-9DF3F51BA10A}">
+      <p15:sldGuideLst xmlns:p15="http://schemas.microsoft.com/office/powerpoint/2012/main"/>
+    </p:ext>
+  </p:extLst>
 </p:presentation>
 </file>
 
@@ -188,7 +193,7 @@
           </a:lstStyle>
           <a:p>
             <a:r>
-              <a:rPr lang="en-US" smtClean="0"/>
+              <a:rPr lang="en-US"/>
               <a:t>Click to edit Master title style</a:t>
             </a:r>
             <a:endParaRPr lang="en-US" dirty="0"/>
@@ -255,7 +260,7 @@
           </a:lstStyle>
           <a:p>
             <a:r>
-              <a:rPr lang="en-US" smtClean="0"/>
+              <a:rPr lang="en-US"/>
               <a:t>Click to edit Master subtitle style</a:t>
             </a:r>
             <a:endParaRPr lang="en-US" dirty="0"/>
@@ -284,7 +289,7 @@
           <a:p>
             <a:fld id="{FD764E06-2417-409A-9242-5CE4AAF2DCAE}" type="datetimeFigureOut">
               <a:rPr lang="en-US" smtClean="0"/>
-              <a:t>1/8/2024</a:t>
+              <a:t>1/12/2024</a:t>
             </a:fld>
             <a:endParaRPr lang="en-US"/>
           </a:p>
@@ -397,7 +402,7 @@
           </a:lstStyle>
           <a:p>
             <a:r>
-              <a:rPr lang="en-US" smtClean="0"/>
+              <a:rPr lang="en-US"/>
               <a:t>Click to edit Master title style</a:t>
             </a:r>
             <a:endParaRPr lang="en-US" dirty="0"/>
@@ -462,7 +467,7 @@
           </a:lstStyle>
           <a:p>
             <a:r>
-              <a:rPr lang="en-US" smtClean="0"/>
+              <a:rPr lang="en-US"/>
               <a:t>Click icon to add picture</a:t>
             </a:r>
             <a:endParaRPr lang="en-US" dirty="0"/>
@@ -528,7 +533,7 @@
           <a:p>
             <a:pPr lvl="0"/>
             <a:r>
-              <a:rPr lang="en-US" smtClean="0"/>
+              <a:rPr lang="en-US"/>
               <a:t>Edit Master text styles</a:t>
             </a:r>
           </a:p>
@@ -551,7 +556,7 @@
           <a:p>
             <a:fld id="{FD764E06-2417-409A-9242-5CE4AAF2DCAE}" type="datetimeFigureOut">
               <a:rPr lang="en-US" smtClean="0"/>
-              <a:t>1/8/2024</a:t>
+              <a:t>1/12/2024</a:t>
             </a:fld>
             <a:endParaRPr lang="en-US"/>
           </a:p>
@@ -684,7 +689,7 @@
           </a:lstStyle>
           <a:p>
             <a:r>
-              <a:rPr lang="en-US" smtClean="0"/>
+              <a:rPr lang="en-US"/>
               <a:t>Click to edit Master title style</a:t>
             </a:r>
             <a:endParaRPr lang="en-US" dirty="0"/>
@@ -750,7 +755,7 @@
           <a:p>
             <a:pPr lvl="0"/>
             <a:r>
-              <a:rPr lang="en-US" smtClean="0"/>
+              <a:rPr lang="en-US"/>
               <a:t>Edit Master text styles</a:t>
             </a:r>
           </a:p>
@@ -782,7 +787,7 @@
           <a:p>
             <a:fld id="{FD764E06-2417-409A-9242-5CE4AAF2DCAE}" type="datetimeFigureOut">
               <a:rPr lang="en-US" smtClean="0"/>
-              <a:t>1/8/2024</a:t>
+              <a:t>1/12/2024</a:t>
             </a:fld>
             <a:endParaRPr lang="en-US"/>
           </a:p>
@@ -925,7 +930,7 @@
           </a:lstStyle>
           <a:p>
             <a:r>
-              <a:rPr lang="en-US" smtClean="0"/>
+              <a:rPr lang="en-US"/>
               <a:t>Click to edit Master title style</a:t>
             </a:r>
             <a:endParaRPr lang="en-US" dirty="0"/>
@@ -993,7 +998,7 @@
           <a:p>
             <a:pPr lvl="0"/>
             <a:r>
-              <a:rPr lang="en-US" smtClean="0"/>
+              <a:rPr lang="en-US"/>
               <a:t>Edit Master text styles</a:t>
             </a:r>
           </a:p>
@@ -1060,7 +1065,7 @@
           <a:p>
             <a:pPr lvl="0"/>
             <a:r>
-              <a:rPr lang="en-US" smtClean="0"/>
+              <a:rPr lang="en-US"/>
               <a:t>Edit Master text styles</a:t>
             </a:r>
           </a:p>
@@ -1092,7 +1097,7 @@
           <a:p>
             <a:fld id="{FD764E06-2417-409A-9242-5CE4AAF2DCAE}" type="datetimeFigureOut">
               <a:rPr lang="en-US" smtClean="0"/>
-              <a:t>1/8/2024</a:t>
+              <a:t>1/12/2024</a:t>
             </a:fld>
             <a:endParaRPr lang="en-US"/>
           </a:p>
@@ -1467,7 +1472,7 @@
           </a:lstStyle>
           <a:p>
             <a:r>
-              <a:rPr lang="en-US" smtClean="0"/>
+              <a:rPr lang="en-US"/>
               <a:t>Click to edit Master title style</a:t>
             </a:r>
             <a:endParaRPr lang="en-US" dirty="0"/>
@@ -1533,7 +1538,7 @@
           <a:p>
             <a:pPr lvl="0"/>
             <a:r>
-              <a:rPr lang="en-US" smtClean="0"/>
+              <a:rPr lang="en-US"/>
               <a:t>Edit Master text styles</a:t>
             </a:r>
           </a:p>
@@ -1565,7 +1570,7 @@
           <a:p>
             <a:fld id="{FD764E06-2417-409A-9242-5CE4AAF2DCAE}" type="datetimeFigureOut">
               <a:rPr lang="en-US" smtClean="0"/>
-              <a:t>1/8/2024</a:t>
+              <a:t>1/12/2024</a:t>
             </a:fld>
             <a:endParaRPr lang="en-US"/>
           </a:p>
@@ -1674,7 +1679,7 @@
           <a:lstStyle/>
           <a:p>
             <a:r>
-              <a:rPr lang="en-US" smtClean="0"/>
+              <a:rPr lang="en-US"/>
               <a:t>Click to edit Master title style</a:t>
             </a:r>
             <a:endParaRPr lang="en-US" dirty="0"/>
@@ -1746,7 +1751,7 @@
           <a:p>
             <a:pPr lvl="0"/>
             <a:r>
-              <a:rPr lang="en-US" smtClean="0"/>
+              <a:rPr lang="en-US"/>
               <a:t>Edit Master text styles</a:t>
             </a:r>
           </a:p>
@@ -1813,7 +1818,7 @@
           <a:p>
             <a:pPr lvl="0"/>
             <a:r>
-              <a:rPr lang="en-US" smtClean="0"/>
+              <a:rPr lang="en-US"/>
               <a:t>Edit Master text styles</a:t>
             </a:r>
           </a:p>
@@ -1884,7 +1889,7 @@
           <a:p>
             <a:pPr lvl="0"/>
             <a:r>
-              <a:rPr lang="en-US" smtClean="0"/>
+              <a:rPr lang="en-US"/>
               <a:t>Edit Master text styles</a:t>
             </a:r>
           </a:p>
@@ -1951,7 +1956,7 @@
           <a:p>
             <a:pPr lvl="0"/>
             <a:r>
-              <a:rPr lang="en-US" smtClean="0"/>
+              <a:rPr lang="en-US"/>
               <a:t>Edit Master text styles</a:t>
             </a:r>
           </a:p>
@@ -2022,7 +2027,7 @@
           <a:p>
             <a:pPr lvl="0"/>
             <a:r>
-              <a:rPr lang="en-US" smtClean="0"/>
+              <a:rPr lang="en-US"/>
               <a:t>Edit Master text styles</a:t>
             </a:r>
           </a:p>
@@ -2089,7 +2094,7 @@
           <a:p>
             <a:pPr lvl="0"/>
             <a:r>
-              <a:rPr lang="en-US" smtClean="0"/>
+              <a:rPr lang="en-US"/>
               <a:t>Edit Master text styles</a:t>
             </a:r>
           </a:p>
@@ -2112,7 +2117,7 @@
           <a:p>
             <a:fld id="{FD764E06-2417-409A-9242-5CE4AAF2DCAE}" type="datetimeFigureOut">
               <a:rPr lang="en-US" smtClean="0"/>
-              <a:t>1/8/2024</a:t>
+              <a:t>1/12/2024</a:t>
             </a:fld>
             <a:endParaRPr lang="en-US"/>
           </a:p>
@@ -2211,7 +2216,7 @@
           <a:lstStyle/>
           <a:p>
             <a:r>
-              <a:rPr lang="en-US" smtClean="0"/>
+              <a:rPr lang="en-US"/>
               <a:t>Click to edit Master title style</a:t>
             </a:r>
             <a:endParaRPr lang="en-US" dirty="0"/>
@@ -2283,7 +2288,7 @@
           <a:p>
             <a:pPr lvl="0"/>
             <a:r>
-              <a:rPr lang="en-US" smtClean="0"/>
+              <a:rPr lang="en-US"/>
               <a:t>Edit Master text styles</a:t>
             </a:r>
           </a:p>
@@ -2361,7 +2366,7 @@
           </a:lstStyle>
           <a:p>
             <a:r>
-              <a:rPr lang="en-US" smtClean="0"/>
+              <a:rPr lang="en-US"/>
               <a:t>Click icon to add picture</a:t>
             </a:r>
             <a:endParaRPr lang="en-US" dirty="0"/>
@@ -2429,7 +2434,7 @@
           <a:p>
             <a:pPr lvl="0"/>
             <a:r>
-              <a:rPr lang="en-US" smtClean="0"/>
+              <a:rPr lang="en-US"/>
               <a:t>Edit Master text styles</a:t>
             </a:r>
           </a:p>
@@ -2500,7 +2505,7 @@
           <a:p>
             <a:pPr lvl="0"/>
             <a:r>
-              <a:rPr lang="en-US" smtClean="0"/>
+              <a:rPr lang="en-US"/>
               <a:t>Edit Master text styles</a:t>
             </a:r>
           </a:p>
@@ -2578,7 +2583,7 @@
           </a:lstStyle>
           <a:p>
             <a:r>
-              <a:rPr lang="en-US" smtClean="0"/>
+              <a:rPr lang="en-US"/>
               <a:t>Click icon to add picture</a:t>
             </a:r>
             <a:endParaRPr lang="en-US" dirty="0"/>
@@ -2646,7 +2651,7 @@
           <a:p>
             <a:pPr lvl="0"/>
             <a:r>
-              <a:rPr lang="en-US" smtClean="0"/>
+              <a:rPr lang="en-US"/>
               <a:t>Edit Master text styles</a:t>
             </a:r>
           </a:p>
@@ -2717,7 +2722,7 @@
           <a:p>
             <a:pPr lvl="0"/>
             <a:r>
-              <a:rPr lang="en-US" smtClean="0"/>
+              <a:rPr lang="en-US"/>
               <a:t>Edit Master text styles</a:t>
             </a:r>
           </a:p>
@@ -2795,7 +2800,7 @@
           </a:lstStyle>
           <a:p>
             <a:r>
-              <a:rPr lang="en-US" smtClean="0"/>
+              <a:rPr lang="en-US"/>
               <a:t>Click icon to add picture</a:t>
             </a:r>
             <a:endParaRPr lang="en-US" dirty="0"/>
@@ -2863,7 +2868,7 @@
           <a:p>
             <a:pPr lvl="0"/>
             <a:r>
-              <a:rPr lang="en-US" smtClean="0"/>
+              <a:rPr lang="en-US"/>
               <a:t>Edit Master text styles</a:t>
             </a:r>
           </a:p>
@@ -2886,7 +2891,7 @@
           <a:p>
             <a:fld id="{FD764E06-2417-409A-9242-5CE4AAF2DCAE}" type="datetimeFigureOut">
               <a:rPr lang="en-US" smtClean="0"/>
-              <a:t>1/8/2024</a:t>
+              <a:t>1/12/2024</a:t>
             </a:fld>
             <a:endParaRPr lang="en-US"/>
           </a:p>
@@ -2980,7 +2985,7 @@
           <a:lstStyle/>
           <a:p>
             <a:r>
-              <a:rPr lang="en-US" smtClean="0"/>
+              <a:rPr lang="en-US"/>
               <a:t>Click to edit Master title style</a:t>
             </a:r>
             <a:endParaRPr lang="en-US" dirty="0"/>
@@ -3009,35 +3014,35 @@
           <a:p>
             <a:pPr lvl="0"/>
             <a:r>
-              <a:rPr lang="en-US" smtClean="0"/>
+              <a:rPr lang="en-US"/>
               <a:t>Edit Master text styles</a:t>
             </a:r>
           </a:p>
           <a:p>
             <a:pPr lvl="1"/>
             <a:r>
-              <a:rPr lang="en-US" smtClean="0"/>
+              <a:rPr lang="en-US"/>
               <a:t>Second level</a:t>
             </a:r>
           </a:p>
           <a:p>
             <a:pPr lvl="2"/>
             <a:r>
-              <a:rPr lang="en-US" smtClean="0"/>
+              <a:rPr lang="en-US"/>
               <a:t>Third level</a:t>
             </a:r>
           </a:p>
           <a:p>
             <a:pPr lvl="3"/>
             <a:r>
-              <a:rPr lang="en-US" smtClean="0"/>
+              <a:rPr lang="en-US"/>
               <a:t>Fourth level</a:t>
             </a:r>
           </a:p>
           <a:p>
             <a:pPr lvl="4"/>
             <a:r>
-              <a:rPr lang="en-US" smtClean="0"/>
+              <a:rPr lang="en-US"/>
               <a:t>Fifth level</a:t>
             </a:r>
             <a:endParaRPr lang="en-US" dirty="0"/>
@@ -3061,7 +3066,7 @@
           <a:p>
             <a:fld id="{FD764E06-2417-409A-9242-5CE4AAF2DCAE}" type="datetimeFigureOut">
               <a:rPr lang="en-US" smtClean="0"/>
-              <a:t>1/8/2024</a:t>
+              <a:t>1/12/2024</a:t>
             </a:fld>
             <a:endParaRPr lang="en-US"/>
           </a:p>
@@ -3194,7 +3199,7 @@
           </a:lstStyle>
           <a:p>
             <a:r>
-              <a:rPr lang="en-US" smtClean="0"/>
+              <a:rPr lang="en-US"/>
               <a:t>Click to edit Master title style</a:t>
             </a:r>
             <a:endParaRPr lang="en-US" dirty="0"/>
@@ -3223,35 +3228,35 @@
           <a:p>
             <a:pPr lvl="0"/>
             <a:r>
-              <a:rPr lang="en-US" smtClean="0"/>
+              <a:rPr lang="en-US"/>
               <a:t>Edit Master text styles</a:t>
             </a:r>
           </a:p>
           <a:p>
             <a:pPr lvl="1"/>
             <a:r>
-              <a:rPr lang="en-US" smtClean="0"/>
+              <a:rPr lang="en-US"/>
               <a:t>Second level</a:t>
             </a:r>
           </a:p>
           <a:p>
             <a:pPr lvl="2"/>
             <a:r>
-              <a:rPr lang="en-US" smtClean="0"/>
+              <a:rPr lang="en-US"/>
               <a:t>Third level</a:t>
             </a:r>
           </a:p>
           <a:p>
             <a:pPr lvl="3"/>
             <a:r>
-              <a:rPr lang="en-US" smtClean="0"/>
+              <a:rPr lang="en-US"/>
               <a:t>Fourth level</a:t>
             </a:r>
           </a:p>
           <a:p>
             <a:pPr lvl="4"/>
             <a:r>
-              <a:rPr lang="en-US" smtClean="0"/>
+              <a:rPr lang="en-US"/>
               <a:t>Fifth level</a:t>
             </a:r>
             <a:endParaRPr lang="en-US" dirty="0"/>
@@ -3284,7 +3289,7 @@
           <a:p>
             <a:fld id="{FD764E06-2417-409A-9242-5CE4AAF2DCAE}" type="datetimeFigureOut">
               <a:rPr lang="en-US" smtClean="0"/>
-              <a:t>1/8/2024</a:t>
+              <a:t>1/12/2024</a:t>
             </a:fld>
             <a:endParaRPr lang="en-US"/>
           </a:p>
@@ -3388,7 +3393,7 @@
           <a:lstStyle/>
           <a:p>
             <a:r>
-              <a:rPr lang="en-US" smtClean="0"/>
+              <a:rPr lang="en-US"/>
               <a:t>Click to edit Master title style</a:t>
             </a:r>
             <a:endParaRPr lang="en-US" dirty="0"/>
@@ -3412,35 +3417,35 @@
           <a:p>
             <a:pPr lvl="0"/>
             <a:r>
-              <a:rPr lang="en-US" smtClean="0"/>
+              <a:rPr lang="en-US"/>
               <a:t>Edit Master text styles</a:t>
             </a:r>
           </a:p>
           <a:p>
             <a:pPr lvl="1"/>
             <a:r>
-              <a:rPr lang="en-US" smtClean="0"/>
+              <a:rPr lang="en-US"/>
               <a:t>Second level</a:t>
             </a:r>
           </a:p>
           <a:p>
             <a:pPr lvl="2"/>
             <a:r>
-              <a:rPr lang="en-US" smtClean="0"/>
+              <a:rPr lang="en-US"/>
               <a:t>Third level</a:t>
             </a:r>
           </a:p>
           <a:p>
             <a:pPr lvl="3"/>
             <a:r>
-              <a:rPr lang="en-US" smtClean="0"/>
+              <a:rPr lang="en-US"/>
               <a:t>Fourth level</a:t>
             </a:r>
           </a:p>
           <a:p>
             <a:pPr lvl="4"/>
             <a:r>
-              <a:rPr lang="en-US" smtClean="0"/>
+              <a:rPr lang="en-US"/>
               <a:t>Fifth level</a:t>
             </a:r>
             <a:endParaRPr lang="en-US" dirty="0"/>
@@ -3464,7 +3469,7 @@
           <a:p>
             <a:fld id="{FD764E06-2417-409A-9242-5CE4AAF2DCAE}" type="datetimeFigureOut">
               <a:rPr lang="en-US" smtClean="0"/>
-              <a:t>1/8/2024</a:t>
+              <a:t>1/12/2024</a:t>
             </a:fld>
             <a:endParaRPr lang="en-US"/>
           </a:p>
@@ -3599,7 +3604,7 @@
           </a:lstStyle>
           <a:p>
             <a:r>
-              <a:rPr lang="en-US" smtClean="0"/>
+              <a:rPr lang="en-US"/>
               <a:t>Click to edit Master title style</a:t>
             </a:r>
             <a:endParaRPr lang="en-US" dirty="0"/>
@@ -3721,7 +3726,7 @@
           <a:p>
             <a:pPr lvl="0"/>
             <a:r>
-              <a:rPr lang="en-US" smtClean="0"/>
+              <a:rPr lang="en-US"/>
               <a:t>Edit Master text styles</a:t>
             </a:r>
           </a:p>
@@ -3753,7 +3758,7 @@
           <a:p>
             <a:fld id="{FD764E06-2417-409A-9242-5CE4AAF2DCAE}" type="datetimeFigureOut">
               <a:rPr lang="en-US" smtClean="0"/>
-              <a:t>1/8/2024</a:t>
+              <a:t>1/12/2024</a:t>
             </a:fld>
             <a:endParaRPr lang="en-US"/>
           </a:p>
@@ -3857,7 +3862,7 @@
           <a:lstStyle/>
           <a:p>
             <a:r>
-              <a:rPr lang="en-US" smtClean="0"/>
+              <a:rPr lang="en-US"/>
               <a:t>Click to edit Master title style</a:t>
             </a:r>
             <a:endParaRPr lang="en-US" dirty="0"/>
@@ -3886,35 +3891,35 @@
           <a:p>
             <a:pPr lvl="0"/>
             <a:r>
-              <a:rPr lang="en-US" smtClean="0"/>
+              <a:rPr lang="en-US"/>
               <a:t>Edit Master text styles</a:t>
             </a:r>
           </a:p>
           <a:p>
             <a:pPr lvl="1"/>
             <a:r>
-              <a:rPr lang="en-US" smtClean="0"/>
+              <a:rPr lang="en-US"/>
               <a:t>Second level</a:t>
             </a:r>
           </a:p>
           <a:p>
             <a:pPr lvl="2"/>
             <a:r>
-              <a:rPr lang="en-US" smtClean="0"/>
+              <a:rPr lang="en-US"/>
               <a:t>Third level</a:t>
             </a:r>
           </a:p>
           <a:p>
             <a:pPr lvl="3"/>
             <a:r>
-              <a:rPr lang="en-US" smtClean="0"/>
+              <a:rPr lang="en-US"/>
               <a:t>Fourth level</a:t>
             </a:r>
           </a:p>
           <a:p>
             <a:pPr lvl="4"/>
             <a:r>
-              <a:rPr lang="en-US" smtClean="0"/>
+              <a:rPr lang="en-US"/>
               <a:t>Fifth level</a:t>
             </a:r>
             <a:endParaRPr lang="en-US" dirty="0"/>
@@ -3943,35 +3948,35 @@
           <a:p>
             <a:pPr lvl="0"/>
             <a:r>
-              <a:rPr lang="en-US" smtClean="0"/>
+              <a:rPr lang="en-US"/>
               <a:t>Edit Master text styles</a:t>
             </a:r>
           </a:p>
           <a:p>
             <a:pPr lvl="1"/>
             <a:r>
-              <a:rPr lang="en-US" smtClean="0"/>
+              <a:rPr lang="en-US"/>
               <a:t>Second level</a:t>
             </a:r>
           </a:p>
           <a:p>
             <a:pPr lvl="2"/>
             <a:r>
-              <a:rPr lang="en-US" smtClean="0"/>
+              <a:rPr lang="en-US"/>
               <a:t>Third level</a:t>
             </a:r>
           </a:p>
           <a:p>
             <a:pPr lvl="3"/>
             <a:r>
-              <a:rPr lang="en-US" smtClean="0"/>
+              <a:rPr lang="en-US"/>
               <a:t>Fourth level</a:t>
             </a:r>
           </a:p>
           <a:p>
             <a:pPr lvl="4"/>
             <a:r>
-              <a:rPr lang="en-US" smtClean="0"/>
+              <a:rPr lang="en-US"/>
               <a:t>Fifth level</a:t>
             </a:r>
             <a:endParaRPr lang="en-US" dirty="0"/>
@@ -3995,7 +4000,7 @@
           <a:p>
             <a:fld id="{FD764E06-2417-409A-9242-5CE4AAF2DCAE}" type="datetimeFigureOut">
               <a:rPr lang="en-US" smtClean="0"/>
-              <a:t>1/8/2024</a:t>
+              <a:t>1/12/2024</a:t>
             </a:fld>
             <a:endParaRPr lang="en-US"/>
           </a:p>
@@ -4094,7 +4099,7 @@
           <a:lstStyle/>
           <a:p>
             <a:r>
-              <a:rPr lang="en-US" smtClean="0"/>
+              <a:rPr lang="en-US"/>
               <a:t>Click to edit Master title style</a:t>
             </a:r>
             <a:endParaRPr lang="en-US" dirty="0"/>
@@ -4166,7 +4171,7 @@
           <a:p>
             <a:pPr lvl="0"/>
             <a:r>
-              <a:rPr lang="en-US" smtClean="0"/>
+              <a:rPr lang="en-US"/>
               <a:t>Edit Master text styles</a:t>
             </a:r>
           </a:p>
@@ -4194,35 +4199,35 @@
           <a:p>
             <a:pPr lvl="0"/>
             <a:r>
-              <a:rPr lang="en-US" smtClean="0"/>
+              <a:rPr lang="en-US"/>
               <a:t>Edit Master text styles</a:t>
             </a:r>
           </a:p>
           <a:p>
             <a:pPr lvl="1"/>
             <a:r>
-              <a:rPr lang="en-US" smtClean="0"/>
+              <a:rPr lang="en-US"/>
               <a:t>Second level</a:t>
             </a:r>
           </a:p>
           <a:p>
             <a:pPr lvl="2"/>
             <a:r>
-              <a:rPr lang="en-US" smtClean="0"/>
+              <a:rPr lang="en-US"/>
               <a:t>Third level</a:t>
             </a:r>
           </a:p>
           <a:p>
             <a:pPr lvl="3"/>
             <a:r>
-              <a:rPr lang="en-US" smtClean="0"/>
+              <a:rPr lang="en-US"/>
               <a:t>Fourth level</a:t>
             </a:r>
           </a:p>
           <a:p>
             <a:pPr lvl="4"/>
             <a:r>
-              <a:rPr lang="en-US" smtClean="0"/>
+              <a:rPr lang="en-US"/>
               <a:t>Fifth level</a:t>
             </a:r>
             <a:endParaRPr lang="en-US" dirty="0"/>
@@ -4294,7 +4299,7 @@
           <a:p>
             <a:pPr lvl="0"/>
             <a:r>
-              <a:rPr lang="en-US" smtClean="0"/>
+              <a:rPr lang="en-US"/>
               <a:t>Edit Master text styles</a:t>
             </a:r>
           </a:p>
@@ -4322,35 +4327,35 @@
           <a:p>
             <a:pPr lvl="0"/>
             <a:r>
-              <a:rPr lang="en-US" smtClean="0"/>
+              <a:rPr lang="en-US"/>
               <a:t>Edit Master text styles</a:t>
             </a:r>
           </a:p>
           <a:p>
             <a:pPr lvl="1"/>
             <a:r>
-              <a:rPr lang="en-US" smtClean="0"/>
+              <a:rPr lang="en-US"/>
               <a:t>Second level</a:t>
             </a:r>
           </a:p>
           <a:p>
             <a:pPr lvl="2"/>
             <a:r>
-              <a:rPr lang="en-US" smtClean="0"/>
+              <a:rPr lang="en-US"/>
               <a:t>Third level</a:t>
             </a:r>
           </a:p>
           <a:p>
             <a:pPr lvl="3"/>
             <a:r>
-              <a:rPr lang="en-US" smtClean="0"/>
+              <a:rPr lang="en-US"/>
               <a:t>Fourth level</a:t>
             </a:r>
           </a:p>
           <a:p>
             <a:pPr lvl="4"/>
             <a:r>
-              <a:rPr lang="en-US" smtClean="0"/>
+              <a:rPr lang="en-US"/>
               <a:t>Fifth level</a:t>
             </a:r>
             <a:endParaRPr lang="en-US" dirty="0"/>
@@ -4374,7 +4379,7 @@
           <a:p>
             <a:fld id="{FD764E06-2417-409A-9242-5CE4AAF2DCAE}" type="datetimeFigureOut">
               <a:rPr lang="en-US" smtClean="0"/>
-              <a:t>1/8/2024</a:t>
+              <a:t>1/12/2024</a:t>
             </a:fld>
             <a:endParaRPr lang="en-US"/>
           </a:p>
@@ -4468,7 +4473,7 @@
           <a:lstStyle/>
           <a:p>
             <a:r>
-              <a:rPr lang="en-US" smtClean="0"/>
+              <a:rPr lang="en-US"/>
               <a:t>Click to edit Master title style</a:t>
             </a:r>
             <a:endParaRPr lang="en-US" dirty="0"/>
@@ -4492,7 +4497,7 @@
           <a:p>
             <a:fld id="{FD764E06-2417-409A-9242-5CE4AAF2DCAE}" type="datetimeFigureOut">
               <a:rPr lang="en-US" smtClean="0"/>
-              <a:t>1/8/2024</a:t>
+              <a:t>1/12/2024</a:t>
             </a:fld>
             <a:endParaRPr lang="en-US"/>
           </a:p>
@@ -4587,7 +4592,7 @@
           <a:p>
             <a:fld id="{FD764E06-2417-409A-9242-5CE4AAF2DCAE}" type="datetimeFigureOut">
               <a:rPr lang="en-US" smtClean="0"/>
-              <a:t>1/8/2024</a:t>
+              <a:t>1/12/2024</a:t>
             </a:fld>
             <a:endParaRPr lang="en-US"/>
           </a:p>
@@ -4690,7 +4695,7 @@
           </a:lstStyle>
           <a:p>
             <a:r>
-              <a:rPr lang="en-US" smtClean="0"/>
+              <a:rPr lang="en-US"/>
               <a:t>Click to edit Master title style</a:t>
             </a:r>
             <a:endParaRPr lang="en-US" dirty="0"/>
@@ -4719,35 +4724,35 @@
           <a:p>
             <a:pPr lvl="0"/>
             <a:r>
-              <a:rPr lang="en-US" smtClean="0"/>
+              <a:rPr lang="en-US"/>
               <a:t>Edit Master text styles</a:t>
             </a:r>
           </a:p>
           <a:p>
             <a:pPr lvl="1"/>
             <a:r>
-              <a:rPr lang="en-US" smtClean="0"/>
+              <a:rPr lang="en-US"/>
               <a:t>Second level</a:t>
             </a:r>
           </a:p>
           <a:p>
             <a:pPr lvl="2"/>
             <a:r>
-              <a:rPr lang="en-US" smtClean="0"/>
+              <a:rPr lang="en-US"/>
               <a:t>Third level</a:t>
             </a:r>
           </a:p>
           <a:p>
             <a:pPr lvl="3"/>
             <a:r>
-              <a:rPr lang="en-US" smtClean="0"/>
+              <a:rPr lang="en-US"/>
               <a:t>Fourth level</a:t>
             </a:r>
           </a:p>
           <a:p>
             <a:pPr lvl="4"/>
             <a:r>
-              <a:rPr lang="en-US" smtClean="0"/>
+              <a:rPr lang="en-US"/>
               <a:t>Fifth level</a:t>
             </a:r>
             <a:endParaRPr lang="en-US" dirty="0"/>
@@ -4813,7 +4818,7 @@
           <a:p>
             <a:pPr lvl="0"/>
             <a:r>
-              <a:rPr lang="en-US" smtClean="0"/>
+              <a:rPr lang="en-US"/>
               <a:t>Edit Master text styles</a:t>
             </a:r>
           </a:p>
@@ -4836,7 +4841,7 @@
           <a:p>
             <a:fld id="{FD764E06-2417-409A-9242-5CE4AAF2DCAE}" type="datetimeFigureOut">
               <a:rPr lang="en-US" smtClean="0"/>
-              <a:t>1/8/2024</a:t>
+              <a:t>1/12/2024</a:t>
             </a:fld>
             <a:endParaRPr lang="en-US"/>
           </a:p>
@@ -4939,7 +4944,7 @@
           </a:lstStyle>
           <a:p>
             <a:r>
-              <a:rPr lang="en-US" smtClean="0"/>
+              <a:rPr lang="en-US"/>
               <a:t>Click to edit Master title style</a:t>
             </a:r>
             <a:endParaRPr lang="en-US" dirty="0"/>
@@ -5004,7 +5009,7 @@
           </a:lstStyle>
           <a:p>
             <a:r>
-              <a:rPr lang="en-US" smtClean="0"/>
+              <a:rPr lang="en-US"/>
               <a:t>Click icon to add picture</a:t>
             </a:r>
             <a:endParaRPr lang="en-US" dirty="0"/>
@@ -5070,7 +5075,7 @@
           <a:p>
             <a:pPr lvl="0"/>
             <a:r>
-              <a:rPr lang="en-US" smtClean="0"/>
+              <a:rPr lang="en-US"/>
               <a:t>Edit Master text styles</a:t>
             </a:r>
           </a:p>
@@ -5093,7 +5098,7 @@
           <a:p>
             <a:fld id="{FD764E06-2417-409A-9242-5CE4AAF2DCAE}" type="datetimeFigureOut">
               <a:rPr lang="en-US" smtClean="0"/>
-              <a:t>1/8/2024</a:t>
+              <a:t>1/12/2024</a:t>
             </a:fld>
             <a:endParaRPr lang="en-US"/>
           </a:p>
@@ -5232,7 +5237,7 @@
           <a:lstStyle/>
           <a:p>
             <a:r>
-              <a:rPr lang="en-US" smtClean="0"/>
+              <a:rPr lang="en-US"/>
               <a:t>Click to edit Master title style</a:t>
             </a:r>
             <a:endParaRPr lang="en-US" dirty="0"/>
@@ -5266,35 +5271,35 @@
           <a:p>
             <a:pPr lvl="0"/>
             <a:r>
-              <a:rPr lang="en-US" smtClean="0"/>
+              <a:rPr lang="en-US"/>
               <a:t>Edit Master text styles</a:t>
             </a:r>
           </a:p>
           <a:p>
             <a:pPr lvl="1"/>
             <a:r>
-              <a:rPr lang="en-US" smtClean="0"/>
+              <a:rPr lang="en-US"/>
               <a:t>Second level</a:t>
             </a:r>
           </a:p>
           <a:p>
             <a:pPr lvl="2"/>
             <a:r>
-              <a:rPr lang="en-US" smtClean="0"/>
+              <a:rPr lang="en-US"/>
               <a:t>Third level</a:t>
             </a:r>
           </a:p>
           <a:p>
             <a:pPr lvl="3"/>
             <a:r>
-              <a:rPr lang="en-US" smtClean="0"/>
+              <a:rPr lang="en-US"/>
               <a:t>Fourth level</a:t>
             </a:r>
           </a:p>
           <a:p>
             <a:pPr lvl="4"/>
             <a:r>
-              <a:rPr lang="en-US" smtClean="0"/>
+              <a:rPr lang="en-US"/>
               <a:t>Fifth level</a:t>
             </a:r>
             <a:endParaRPr lang="en-US" dirty="0"/>
@@ -5336,7 +5341,7 @@
           <a:p>
             <a:fld id="{FD764E06-2417-409A-9242-5CE4AAF2DCAE}" type="datetimeFigureOut">
               <a:rPr lang="en-US" smtClean="0"/>
-              <a:t>1/8/2024</a:t>
+              <a:t>1/12/2024</a:t>
             </a:fld>
             <a:endParaRPr lang="en-US"/>
           </a:p>
@@ -5798,22 +5803,10 @@
                 </a:solidFill>
                 <a:latin typeface=".VnBahamasB" panose="020BE200000000000000" pitchFamily="34" charset="0"/>
               </a:rPr>
-              <a:t>GROUP </a:t>
-            </a:r>
-            <a:r>
-              <a:rPr lang="en-US" sz="4400" dirty="0" smtClean="0">
-                <a:solidFill>
-                  <a:schemeClr val="accent3">
-                    <a:lumMod val="60000"/>
-                    <a:lumOff val="40000"/>
-                  </a:schemeClr>
-                </a:solidFill>
-                <a:latin typeface=".VnBahamasB" panose="020BE200000000000000" pitchFamily="34" charset="0"/>
-              </a:rPr>
-              <a:t>1</a:t>
-            </a:r>
-            <a:r>
-              <a:rPr lang="vi-VN" sz="4400" dirty="0" smtClean="0">
+              <a:t>GROUP 1</a:t>
+            </a:r>
+            <a:r>
+              <a:rPr lang="vi-VN" sz="4400" dirty="0">
                 <a:solidFill>
                   <a:schemeClr val="accent3">
                     <a:lumMod val="60000"/>
@@ -5862,7 +5855,7 @@
               <a:buChar char="•"/>
             </a:pPr>
             <a:r>
-              <a:rPr lang="vi-VN" dirty="0" smtClean="0"/>
+              <a:rPr lang="vi-VN" dirty="0"/>
               <a:t>Le Minh Hieu 20215048</a:t>
             </a:r>
           </a:p>
@@ -5872,7 +5865,7 @@
               <a:buChar char="•"/>
             </a:pPr>
             <a:r>
-              <a:rPr lang="vi-VN" dirty="0" smtClean="0"/>
+              <a:rPr lang="vi-VN" dirty="0"/>
               <a:t>Tran Sy Hieu 20215053</a:t>
             </a:r>
           </a:p>
@@ -5882,7 +5875,7 @@
               <a:buChar char="•"/>
             </a:pPr>
             <a:r>
-              <a:rPr lang="vi-VN" dirty="0" smtClean="0"/>
+              <a:rPr lang="vi-VN" dirty="0"/>
               <a:t>Nguyen Manh Hieu 20215050</a:t>
             </a:r>
           </a:p>
@@ -5892,7 +5885,7 @@
               <a:buChar char="•"/>
             </a:pPr>
             <a:r>
-              <a:rPr lang="vi-VN" dirty="0" smtClean="0"/>
+              <a:rPr lang="vi-VN" dirty="0"/>
               <a:t>Nguyen Viet Hieu 20215051</a:t>
             </a:r>
             <a:endParaRPr lang="en-US" dirty="0"/>
@@ -6073,15 +6066,9 @@
               <a:rPr lang="en-US" sz="2400" dirty="0">
                 <a:latin typeface=".VnBahamasB" panose="020BE200000000000000" pitchFamily="34" charset="0"/>
               </a:rPr>
-              <a:t> Quit exits the program. Remember to ask for </a:t>
-            </a:r>
-            <a:r>
-              <a:rPr lang="en-US" sz="2400" dirty="0" smtClean="0">
-                <a:latin typeface=".VnBahamasB" panose="020BE200000000000000" pitchFamily="34" charset="0"/>
-              </a:rPr>
-              <a:t>confirmation</a:t>
-            </a:r>
-            <a:endParaRPr lang="vi-VN" sz="2400" dirty="0" smtClean="0"/>
+              <a:t> Quit exits the program. Remember to ask for confirmation</a:t>
+            </a:r>
+            <a:endParaRPr lang="vi-VN" sz="2400" dirty="0"/>
           </a:p>
           <a:p>
             <a:pPr marL="149225" lvl="0" indent="0">
@@ -6184,32 +6171,42 @@
           <a:p>
             <a:pPr algn="ctr"/>
             <a:r>
-              <a:rPr lang="vi-VN" dirty="0" smtClean="0"/>
+              <a:rPr lang="vi-VN" dirty="0"/>
               <a:t>Use case diagram</a:t>
             </a:r>
             <a:endParaRPr lang="en-US" dirty="0"/>
           </a:p>
         </p:txBody>
       </p:sp>
-      <p:sp>
-        <p:nvSpPr>
-          <p:cNvPr id="3" name="Content Placeholder 2"/>
-          <p:cNvSpPr>
-            <a:spLocks noGrp="1"/>
-          </p:cNvSpPr>
+      <p:pic>
+        <p:nvPicPr>
+          <p:cNvPr id="5" name="Content Placeholder 4">
+            <a:extLst>
+              <a:ext uri="{FF2B5EF4-FFF2-40B4-BE49-F238E27FC236}">
+                <a16:creationId xmlns:a16="http://schemas.microsoft.com/office/drawing/2014/main" id="{DA9E1EF1-B883-06D5-725F-29C89356C009}"/>
+              </a:ext>
+            </a:extLst>
+          </p:cNvPr>
+          <p:cNvPicPr>
+            <a:picLocks noGrp="1" noChangeAspect="1"/>
+          </p:cNvPicPr>
           <p:nvPr>
             <p:ph idx="1"/>
           </p:nvPr>
-        </p:nvSpPr>
-        <p:spPr/>
-        <p:txBody>
-          <a:bodyPr/>
-          <a:lstStyle/>
-          <a:p>
-            <a:endParaRPr lang="en-US"/>
-          </a:p>
-        </p:txBody>
-      </p:sp>
+        </p:nvPicPr>
+        <p:blipFill>
+          <a:blip r:embed="rId2"/>
+          <a:stretch>
+            <a:fillRect/>
+          </a:stretch>
+        </p:blipFill>
+        <p:spPr>
+          <a:xfrm>
+            <a:off x="2129795" y="1880251"/>
+            <a:ext cx="7992364" cy="4464448"/>
+          </a:xfrm>
+        </p:spPr>
+      </p:pic>
     </p:spTree>
     <p:extLst>
       <p:ext uri="{BB962C8B-B14F-4D97-AF65-F5344CB8AC3E}">
@@ -6257,32 +6254,49 @@
           <a:p>
             <a:pPr algn="ctr"/>
             <a:r>
-              <a:rPr lang="vi-VN" dirty="0" smtClean="0"/>
-              <a:t>General class diagram</a:t>
+              <a:rPr lang="en-US" dirty="0">
+                <a:latin typeface="Times New Roman" panose="02020603050405020304" pitchFamily="18" charset="0"/>
+                <a:cs typeface="Times New Roman" panose="02020603050405020304" pitchFamily="18" charset="0"/>
+              </a:rPr>
+              <a:t>DETAIL</a:t>
+            </a:r>
+            <a:r>
+              <a:rPr lang="vi-VN" dirty="0"/>
+              <a:t> class diagram</a:t>
             </a:r>
             <a:endParaRPr lang="en-US" dirty="0"/>
           </a:p>
         </p:txBody>
       </p:sp>
-      <p:sp>
-        <p:nvSpPr>
-          <p:cNvPr id="3" name="Content Placeholder 2"/>
-          <p:cNvSpPr>
-            <a:spLocks noGrp="1"/>
-          </p:cNvSpPr>
+      <p:pic>
+        <p:nvPicPr>
+          <p:cNvPr id="5" name="Content Placeholder 4">
+            <a:extLst>
+              <a:ext uri="{FF2B5EF4-FFF2-40B4-BE49-F238E27FC236}">
+                <a16:creationId xmlns:a16="http://schemas.microsoft.com/office/drawing/2014/main" id="{3247D130-10BE-C11D-2544-F0510825B883}"/>
+              </a:ext>
+            </a:extLst>
+          </p:cNvPr>
+          <p:cNvPicPr>
+            <a:picLocks noGrp="1" noChangeAspect="1"/>
+          </p:cNvPicPr>
           <p:nvPr>
             <p:ph idx="1"/>
           </p:nvPr>
-        </p:nvSpPr>
-        <p:spPr/>
-        <p:txBody>
-          <a:bodyPr/>
-          <a:lstStyle/>
-          <a:p>
-            <a:endParaRPr lang="en-US" dirty="0"/>
-          </a:p>
-        </p:txBody>
-      </p:sp>
+        </p:nvPicPr>
+        <p:blipFill>
+          <a:blip r:embed="rId2"/>
+          <a:stretch>
+            <a:fillRect/>
+          </a:stretch>
+        </p:blipFill>
+        <p:spPr>
+          <a:xfrm>
+            <a:off x="2895600" y="2174470"/>
+            <a:ext cx="6481864" cy="4024313"/>
+          </a:xfrm>
+        </p:spPr>
+      </p:pic>
     </p:spTree>
     <p:extLst>
       <p:ext uri="{BB962C8B-B14F-4D97-AF65-F5344CB8AC3E}">
@@ -6613,7 +6627,7 @@
           <a:p>
             <a:pPr algn="ctr"/>
             <a:r>
-              <a:rPr lang="vi-VN" dirty="0" smtClean="0"/>
+              <a:rPr lang="vi-VN" dirty="0"/>
               <a:t>Record Video demo</a:t>
             </a:r>
             <a:endParaRPr lang="en-US" dirty="0"/>
@@ -6923,6 +6937,15 @@
 </file>
 
 <file path=customXml/item1.xml><?xml version="1.0" encoding="utf-8"?>
+<?mso-contentType ?>
+<FormTemplates xmlns="http://schemas.microsoft.com/sharepoint/v3/contenttype/forms">
+  <Display>DocumentLibraryForm</Display>
+  <Edit>DocumentLibraryForm</Edit>
+  <New>DocumentLibraryForm</New>
+</FormTemplates>
+</file>
+
+<file path=customXml/item2.xml><?xml version="1.0" encoding="utf-8"?>
 <ct:contentTypeSchema xmlns:ct="http://schemas.microsoft.com/office/2006/metadata/contentType" xmlns:ma="http://schemas.microsoft.com/office/2006/metadata/properties/metaAttributes" ct:_="" ma:_="" ma:contentTypeName="Tài liệu" ma:contentTypeID="0x010100D23CE91256A96844AC1A74847DE15B6B" ma:contentTypeVersion="0" ma:contentTypeDescription="Tạo tài liệu mới." ma:contentTypeScope="" ma:versionID="c4e0b9743241d1dd01b880de44281960">
   <xsd:schema xmlns:xsd="http://www.w3.org/2001/XMLSchema" xmlns:xs="http://www.w3.org/2001/XMLSchema" xmlns:p="http://schemas.microsoft.com/office/2006/metadata/properties" targetNamespace="http://schemas.microsoft.com/office/2006/metadata/properties" ma:root="true" ma:fieldsID="a664b36a7dd7b3722f550d395b0110e8">
     <xsd:element name="properties">
@@ -7036,19 +7059,26 @@
 </ct:contentTypeSchema>
 </file>
 
-<file path=customXml/item2.xml><?xml version="1.0" encoding="utf-8"?>
-<?mso-contentType ?>
-<FormTemplates xmlns="http://schemas.microsoft.com/sharepoint/v3/contenttype/forms">
-  <Display>DocumentLibraryForm</Display>
-  <Edit>DocumentLibraryForm</Edit>
-  <New>DocumentLibraryForm</New>
-</FormTemplates>
-</file>
-
 <file path=customXml/itemProps1.xml><?xml version="1.0" encoding="utf-8"?>
-<ds:datastoreItem xmlns:ds="http://schemas.openxmlformats.org/officeDocument/2006/customXml" ds:itemID="{561D94BC-CFF0-40A1-9225-9995FF749D0D}"/>
+<ds:datastoreItem xmlns:ds="http://schemas.openxmlformats.org/officeDocument/2006/customXml" ds:itemID="{6A9FE595-CE05-4E05-A173-969A2D4896C3}">
+  <ds:schemaRefs>
+    <ds:schemaRef ds:uri="http://schemas.microsoft.com/sharepoint/v3/contenttype/forms"/>
+  </ds:schemaRefs>
+</ds:datastoreItem>
 </file>
 
 <file path=customXml/itemProps2.xml><?xml version="1.0" encoding="utf-8"?>
-<ds:datastoreItem xmlns:ds="http://schemas.openxmlformats.org/officeDocument/2006/customXml" ds:itemID="{6A9FE595-CE05-4E05-A173-969A2D4896C3}"/>
+<ds:datastoreItem xmlns:ds="http://schemas.openxmlformats.org/officeDocument/2006/customXml" ds:itemID="{561D94BC-CFF0-40A1-9225-9995FF749D0D}">
+  <ds:schemaRefs>
+    <ds:schemaRef ds:uri="http://schemas.microsoft.com/office/2006/metadata/contentType"/>
+    <ds:schemaRef ds:uri="http://schemas.microsoft.com/office/2006/metadata/properties/metaAttributes"/>
+    <ds:schemaRef ds:uri="http://www.w3.org/2001/XMLSchema"/>
+    <ds:schemaRef ds:uri="http://schemas.microsoft.com/office/2006/metadata/properties"/>
+    <ds:schemaRef ds:uri="http://schemas.openxmlformats.org/package/2006/metadata/core-properties"/>
+    <ds:schemaRef ds:uri="http://purl.org/dc/elements/1.1/"/>
+    <ds:schemaRef ds:uri="http://purl.org/dc/terms/"/>
+    <ds:schemaRef ds:uri="http://schemas.microsoft.com/internal/obd"/>
+    <ds:schemaRef ds:uri="http://schemas.microsoft.com/office/infopath/2007/PartnerControls"/>
+  </ds:schemaRefs>
+</ds:datastoreItem>
 </file>
--- a/Documents/OOP_Slides_Nhom13.pptx
+++ b/Documents/OOP_Slides_Nhom13.pptx
@@ -11,8 +11,6 @@
     <p:sldId id="259" r:id="rId7"/>
     <p:sldId id="261" r:id="rId8"/>
     <p:sldId id="262" r:id="rId9"/>
-    <p:sldId id="263" r:id="rId10"/>
-    <p:sldId id="260" r:id="rId11"/>
   </p:sldIdLst>
   <p:sldSz cx="12192000" cy="6858000"/>
   <p:notesSz cx="6858000" cy="9144000"/>
@@ -113,7 +111,7 @@
   </p:defaultTextStyle>
   <p:extLst>
     <p:ext uri="{EFAFB233-063F-42B5-8137-9DF3F51BA10A}">
-      <p15:sldGuideLst xmlns:p15="http://schemas.microsoft.com/office/powerpoint/2012/main"/>
+      <p15:sldGuideLst xmlns:p15="http://schemas.microsoft.com/office/powerpoint/2012/main" xmlns=""/>
     </p:ext>
   </p:extLst>
 </p:presentation>
@@ -289,7 +287,7 @@
           <a:p>
             <a:fld id="{FD764E06-2417-409A-9242-5CE4AAF2DCAE}" type="datetimeFigureOut">
               <a:rPr lang="en-US" smtClean="0"/>
-              <a:t>1/12/2024</a:t>
+              <a:t>1/14/2024</a:t>
             </a:fld>
             <a:endParaRPr lang="en-US"/>
           </a:p>
@@ -556,7 +554,7 @@
           <a:p>
             <a:fld id="{FD764E06-2417-409A-9242-5CE4AAF2DCAE}" type="datetimeFigureOut">
               <a:rPr lang="en-US" smtClean="0"/>
-              <a:t>1/12/2024</a:t>
+              <a:t>1/14/2024</a:t>
             </a:fld>
             <a:endParaRPr lang="en-US"/>
           </a:p>
@@ -787,7 +785,7 @@
           <a:p>
             <a:fld id="{FD764E06-2417-409A-9242-5CE4AAF2DCAE}" type="datetimeFigureOut">
               <a:rPr lang="en-US" smtClean="0"/>
-              <a:t>1/12/2024</a:t>
+              <a:t>1/14/2024</a:t>
             </a:fld>
             <a:endParaRPr lang="en-US"/>
           </a:p>
@@ -1097,7 +1095,7 @@
           <a:p>
             <a:fld id="{FD764E06-2417-409A-9242-5CE4AAF2DCAE}" type="datetimeFigureOut">
               <a:rPr lang="en-US" smtClean="0"/>
-              <a:t>1/12/2024</a:t>
+              <a:t>1/14/2024</a:t>
             </a:fld>
             <a:endParaRPr lang="en-US"/>
           </a:p>
@@ -1570,7 +1568,7 @@
           <a:p>
             <a:fld id="{FD764E06-2417-409A-9242-5CE4AAF2DCAE}" type="datetimeFigureOut">
               <a:rPr lang="en-US" smtClean="0"/>
-              <a:t>1/12/2024</a:t>
+              <a:t>1/14/2024</a:t>
             </a:fld>
             <a:endParaRPr lang="en-US"/>
           </a:p>
@@ -2117,7 +2115,7 @@
           <a:p>
             <a:fld id="{FD764E06-2417-409A-9242-5CE4AAF2DCAE}" type="datetimeFigureOut">
               <a:rPr lang="en-US" smtClean="0"/>
-              <a:t>1/12/2024</a:t>
+              <a:t>1/14/2024</a:t>
             </a:fld>
             <a:endParaRPr lang="en-US"/>
           </a:p>
@@ -2891,7 +2889,7 @@
           <a:p>
             <a:fld id="{FD764E06-2417-409A-9242-5CE4AAF2DCAE}" type="datetimeFigureOut">
               <a:rPr lang="en-US" smtClean="0"/>
-              <a:t>1/12/2024</a:t>
+              <a:t>1/14/2024</a:t>
             </a:fld>
             <a:endParaRPr lang="en-US"/>
           </a:p>
@@ -3066,7 +3064,7 @@
           <a:p>
             <a:fld id="{FD764E06-2417-409A-9242-5CE4AAF2DCAE}" type="datetimeFigureOut">
               <a:rPr lang="en-US" smtClean="0"/>
-              <a:t>1/12/2024</a:t>
+              <a:t>1/14/2024</a:t>
             </a:fld>
             <a:endParaRPr lang="en-US"/>
           </a:p>
@@ -3289,7 +3287,7 @@
           <a:p>
             <a:fld id="{FD764E06-2417-409A-9242-5CE4AAF2DCAE}" type="datetimeFigureOut">
               <a:rPr lang="en-US" smtClean="0"/>
-              <a:t>1/12/2024</a:t>
+              <a:t>1/14/2024</a:t>
             </a:fld>
             <a:endParaRPr lang="en-US"/>
           </a:p>
@@ -3469,7 +3467,7 @@
           <a:p>
             <a:fld id="{FD764E06-2417-409A-9242-5CE4AAF2DCAE}" type="datetimeFigureOut">
               <a:rPr lang="en-US" smtClean="0"/>
-              <a:t>1/12/2024</a:t>
+              <a:t>1/14/2024</a:t>
             </a:fld>
             <a:endParaRPr lang="en-US"/>
           </a:p>
@@ -3758,7 +3756,7 @@
           <a:p>
             <a:fld id="{FD764E06-2417-409A-9242-5CE4AAF2DCAE}" type="datetimeFigureOut">
               <a:rPr lang="en-US" smtClean="0"/>
-              <a:t>1/12/2024</a:t>
+              <a:t>1/14/2024</a:t>
             </a:fld>
             <a:endParaRPr lang="en-US"/>
           </a:p>
@@ -4000,7 +3998,7 @@
           <a:p>
             <a:fld id="{FD764E06-2417-409A-9242-5CE4AAF2DCAE}" type="datetimeFigureOut">
               <a:rPr lang="en-US" smtClean="0"/>
-              <a:t>1/12/2024</a:t>
+              <a:t>1/14/2024</a:t>
             </a:fld>
             <a:endParaRPr lang="en-US"/>
           </a:p>
@@ -4379,7 +4377,7 @@
           <a:p>
             <a:fld id="{FD764E06-2417-409A-9242-5CE4AAF2DCAE}" type="datetimeFigureOut">
               <a:rPr lang="en-US" smtClean="0"/>
-              <a:t>1/12/2024</a:t>
+              <a:t>1/14/2024</a:t>
             </a:fld>
             <a:endParaRPr lang="en-US"/>
           </a:p>
@@ -4497,7 +4495,7 @@
           <a:p>
             <a:fld id="{FD764E06-2417-409A-9242-5CE4AAF2DCAE}" type="datetimeFigureOut">
               <a:rPr lang="en-US" smtClean="0"/>
-              <a:t>1/12/2024</a:t>
+              <a:t>1/14/2024</a:t>
             </a:fld>
             <a:endParaRPr lang="en-US"/>
           </a:p>
@@ -4592,7 +4590,7 @@
           <a:p>
             <a:fld id="{FD764E06-2417-409A-9242-5CE4AAF2DCAE}" type="datetimeFigureOut">
               <a:rPr lang="en-US" smtClean="0"/>
-              <a:t>1/12/2024</a:t>
+              <a:t>1/14/2024</a:t>
             </a:fld>
             <a:endParaRPr lang="en-US"/>
           </a:p>
@@ -4841,7 +4839,7 @@
           <a:p>
             <a:fld id="{FD764E06-2417-409A-9242-5CE4AAF2DCAE}" type="datetimeFigureOut">
               <a:rPr lang="en-US" smtClean="0"/>
-              <a:t>1/12/2024</a:t>
+              <a:t>1/14/2024</a:t>
             </a:fld>
             <a:endParaRPr lang="en-US"/>
           </a:p>
@@ -5098,7 +5096,7 @@
           <a:p>
             <a:fld id="{FD764E06-2417-409A-9242-5CE4AAF2DCAE}" type="datetimeFigureOut">
               <a:rPr lang="en-US" smtClean="0"/>
-              <a:t>1/12/2024</a:t>
+              <a:t>1/14/2024</a:t>
             </a:fld>
             <a:endParaRPr lang="en-US"/>
           </a:p>
@@ -5341,7 +5339,7 @@
           <a:p>
             <a:fld id="{FD764E06-2417-409A-9242-5CE4AAF2DCAE}" type="datetimeFigureOut">
               <a:rPr lang="en-US" smtClean="0"/>
-              <a:t>1/12/2024</a:t>
+              <a:t>1/14/2024</a:t>
             </a:fld>
             <a:endParaRPr lang="en-US"/>
           </a:p>
@@ -5978,7 +5976,7 @@
         </p:spPr>
         <p:txBody>
           <a:bodyPr>
-            <a:normAutofit fontScale="85000" lnSpcReduction="20000"/>
+            <a:normAutofit lnSpcReduction="10000"/>
           </a:bodyPr>
           <a:lstStyle/>
           <a:p>
@@ -5992,110 +5990,81 @@
               <a:buNone/>
             </a:pPr>
             <a:r>
-              <a:rPr lang="en-US" sz="2400" dirty="0">
+              <a:rPr lang="en-US" sz="2400" smtClean="0">
                 <a:latin typeface=".VnBahamasB" panose="020BE200000000000000" pitchFamily="34" charset="0"/>
               </a:rPr>
-              <a:t>Piano is a popular musical instrument. In this project, we implemented an application that provides GUI for the user to virtually play an electronic piano</a:t>
-            </a:r>
-          </a:p>
-          <a:p>
-            <a:pPr marL="457200" lvl="0" indent="0">
-              <a:lnSpc>
-                <a:spcPct val="115000"/>
-              </a:lnSpc>
-              <a:spcBef>
-                <a:spcPts val="1600"/>
-              </a:spcBef>
-              <a:buNone/>
-            </a:pPr>
-            <a:r>
-              <a:rPr lang="en-US" sz="2400" dirty="0">
+              <a:t>- </a:t>
+            </a:r>
+            <a:r>
+              <a:rPr lang="vi-VN" sz="2400" smtClean="0">
                 <a:latin typeface=".VnBahamasB" panose="020BE200000000000000" pitchFamily="34" charset="0"/>
               </a:rPr>
-              <a:t>On the main menu: title of the application, piano GUI , help menu, quit </a:t>
-            </a:r>
-          </a:p>
-          <a:p>
-            <a:pPr marL="457200" lvl="0" indent="-307975">
-              <a:lnSpc>
-                <a:spcPct val="115000"/>
-              </a:lnSpc>
-              <a:spcBef>
-                <a:spcPts val="1600"/>
-              </a:spcBef>
-              <a:buSzPts val="1250"/>
-              <a:buChar char="●"/>
-            </a:pPr>
-            <a:r>
-              <a:rPr lang="en-US" sz="2400" dirty="0">
+              <a:t>Piano </a:t>
+            </a:r>
+            <a:r>
+              <a:rPr lang="vi-VN" sz="2400">
                 <a:latin typeface=".VnBahamasB" panose="020BE200000000000000" pitchFamily="34" charset="0"/>
               </a:rPr>
-              <a:t> User can play the piano by interacting with GUI </a:t>
-            </a:r>
-          </a:p>
-          <a:p>
-            <a:pPr marL="457200" lvl="0" indent="-307975">
+              <a:t>là một nhạc cụ phổ biến. Trong dự án này, chúng tôi đã triển khai một ứng dụng cung cấp GUI cho người dùng hầu như chơi một cây đàn piano điện tử</a:t>
+            </a:r>
+          </a:p>
+          <a:p>
+            <a:pPr marL="457200" lvl="0" indent="0">
               <a:lnSpc>
                 <a:spcPct val="115000"/>
               </a:lnSpc>
               <a:spcBef>
                 <a:spcPts val="0"/>
               </a:spcBef>
-              <a:buSzPts val="1250"/>
-              <a:buChar char="●"/>
+              <a:buNone/>
             </a:pPr>
             <a:r>
-              <a:rPr lang="en-US" sz="2400" dirty="0">
+              <a:rPr lang="en-US" sz="2400" smtClean="0">
                 <a:latin typeface=".VnBahamasB" panose="020BE200000000000000" pitchFamily="34" charset="0"/>
               </a:rPr>
-              <a:t> Help menu shows the basic usage and aim of the program </a:t>
-            </a:r>
-          </a:p>
-          <a:p>
-            <a:pPr marL="457200" lvl="0" indent="-307975">
+              <a:t>- </a:t>
+            </a:r>
+            <a:r>
+              <a:rPr lang="vi-VN" sz="2400" smtClean="0">
+                <a:latin typeface=".VnBahamasB" panose="020BE200000000000000" pitchFamily="34" charset="0"/>
+              </a:rPr>
+              <a:t>Người </a:t>
+            </a:r>
+            <a:r>
+              <a:rPr lang="vi-VN" sz="2400">
+                <a:latin typeface=".VnBahamasB" panose="020BE200000000000000" pitchFamily="34" charset="0"/>
+              </a:rPr>
+              <a:t>dùng có thể chơi piano bằng cách tương tác với GUI</a:t>
+            </a:r>
+          </a:p>
+          <a:p>
+            <a:pPr marL="457200" lvl="0" indent="0">
               <a:lnSpc>
                 <a:spcPct val="115000"/>
               </a:lnSpc>
               <a:spcBef>
                 <a:spcPts val="0"/>
               </a:spcBef>
-              <a:buSzPts val="1250"/>
-              <a:buChar char="●"/>
+              <a:buNone/>
             </a:pPr>
             <a:r>
-              <a:rPr lang="en-US" sz="2400" dirty="0">
+              <a:rPr lang="en-US" sz="2400" smtClean="0">
                 <a:latin typeface=".VnBahamasB" panose="020BE200000000000000" pitchFamily="34" charset="0"/>
               </a:rPr>
-              <a:t> Quit exits the program. Remember to ask for confirmation</a:t>
-            </a:r>
-            <a:endParaRPr lang="vi-VN" sz="2400" dirty="0"/>
-          </a:p>
-          <a:p>
-            <a:pPr marL="149225" lvl="0" indent="0">
-              <a:lnSpc>
-                <a:spcPct val="115000"/>
-              </a:lnSpc>
-              <a:spcBef>
-                <a:spcPts val="0"/>
-              </a:spcBef>
-              <a:buSzPts val="1250"/>
-              <a:buNone/>
-            </a:pPr>
-            <a:r>
-              <a:rPr lang="vi-VN" sz="2400" dirty="0"/>
-              <a:t> </a:t>
-            </a:r>
-            <a:r>
-              <a:rPr lang="en" sz="2400" dirty="0">
+              <a:t>- </a:t>
+            </a:r>
+            <a:r>
+              <a:rPr lang="vi-VN" sz="2400" smtClean="0">
                 <a:latin typeface=".VnBahamasB" panose="020BE200000000000000" pitchFamily="34" charset="0"/>
               </a:rPr>
-              <a:t>Keyboard: C (Do), D (Re), E (Mi), F (Fa), G (Sol), A (La), B (Xi), ...</a:t>
-            </a:r>
-            <a:endParaRPr lang="en-US" sz="2400" dirty="0">
-              <a:latin typeface=".VnBahamasB" panose="020BE200000000000000" pitchFamily="34" charset="0"/>
-            </a:endParaRPr>
-          </a:p>
-          <a:p>
+              <a:t>Bàn </a:t>
+            </a:r>
+            <a:r>
+              <a:rPr lang="vi-VN" sz="2400">
+                <a:latin typeface=".VnBahamasB" panose="020BE200000000000000" pitchFamily="34" charset="0"/>
+              </a:rPr>
+              <a:t>phím: C (do), d (re), e (mi), f (fa), g (sol), a (la), b (xi), ...</a:t>
+            </a:r>
             <a:endParaRPr lang="en-US" dirty="0"/>
           </a:p>
         </p:txBody>
@@ -6108,16 +6077,15 @@
           </p:cNvPicPr>
           <p:nvPr/>
         </p:nvPicPr>
-        <p:blipFill>
+        <p:blipFill rotWithShape="1">
           <a:blip r:embed="rId2"/>
-          <a:stretch>
-            <a:fillRect/>
-          </a:stretch>
+          <a:srcRect r="36453"/>
+          <a:stretch/>
         </p:blipFill>
         <p:spPr>
           <a:xfrm>
             <a:off x="7622771" y="2167033"/>
-            <a:ext cx="4469476" cy="2870879"/>
+            <a:ext cx="4232061" cy="2870879"/>
           </a:xfrm>
           <a:prstGeom prst="rect">
             <a:avLst/>
@@ -6183,7 +6151,7 @@
           <p:cNvPr id="5" name="Content Placeholder 4">
             <a:extLst>
               <a:ext uri="{FF2B5EF4-FFF2-40B4-BE49-F238E27FC236}">
-                <a16:creationId xmlns:a16="http://schemas.microsoft.com/office/drawing/2014/main" id="{DA9E1EF1-B883-06D5-725F-29C89356C009}"/>
+                <a16:creationId xmlns:a16="http://schemas.microsoft.com/office/drawing/2014/main" xmlns="" id="{DA9E1EF1-B883-06D5-725F-29C89356C009}"/>
               </a:ext>
             </a:extLst>
           </p:cNvPr>
@@ -6273,7 +6241,7 @@
           <p:cNvPr id="5" name="Content Placeholder 4">
             <a:extLst>
               <a:ext uri="{FF2B5EF4-FFF2-40B4-BE49-F238E27FC236}">
-                <a16:creationId xmlns:a16="http://schemas.microsoft.com/office/drawing/2014/main" id="{3247D130-10BE-C11D-2544-F0510825B883}"/>
+                <a16:creationId xmlns:a16="http://schemas.microsoft.com/office/drawing/2014/main" xmlns="" id="{3247D130-10BE-C11D-2544-F0510825B883}"/>
               </a:ext>
             </a:extLst>
           </p:cNvPr>
@@ -6492,171 +6460,6 @@
     <p:extLst>
       <p:ext uri="{BB962C8B-B14F-4D97-AF65-F5344CB8AC3E}">
         <p14:creationId xmlns:p14="http://schemas.microsoft.com/office/powerpoint/2010/main" val="965142083"/>
-      </p:ext>
-    </p:extLst>
-  </p:cSld>
-  <p:clrMapOvr>
-    <a:masterClrMapping/>
-  </p:clrMapOvr>
-</p:sld>
-</file>
-
-<file path=ppt/slides/slide7.xml><?xml version="1.0" encoding="utf-8"?>
-<p:sld xmlns:a="http://schemas.openxmlformats.org/drawingml/2006/main" xmlns:r="http://schemas.openxmlformats.org/officeDocument/2006/relationships" xmlns:p="http://schemas.openxmlformats.org/presentationml/2006/main">
-  <p:cSld>
-    <p:spTree>
-      <p:nvGrpSpPr>
-        <p:cNvPr id="1" name=""/>
-        <p:cNvGrpSpPr/>
-        <p:nvPr/>
-      </p:nvGrpSpPr>
-      <p:grpSpPr>
-        <a:xfrm>
-          <a:off x="0" y="0"/>
-          <a:ext cx="0" cy="0"/>
-          <a:chOff x="0" y="0"/>
-          <a:chExt cx="0" cy="0"/>
-        </a:xfrm>
-      </p:grpSpPr>
-      <p:sp>
-        <p:nvSpPr>
-          <p:cNvPr id="2" name="Title 1"/>
-          <p:cNvSpPr>
-            <a:spLocks noGrp="1"/>
-          </p:cNvSpPr>
-          <p:nvPr>
-            <p:ph type="title"/>
-          </p:nvPr>
-        </p:nvSpPr>
-        <p:spPr/>
-        <p:txBody>
-          <a:bodyPr/>
-          <a:lstStyle/>
-          <a:p>
-            <a:endParaRPr lang="en-US"/>
-          </a:p>
-        </p:txBody>
-      </p:sp>
-      <p:sp>
-        <p:nvSpPr>
-          <p:cNvPr id="3" name="Content Placeholder 2"/>
-          <p:cNvSpPr>
-            <a:spLocks noGrp="1"/>
-          </p:cNvSpPr>
-          <p:nvPr>
-            <p:ph idx="1"/>
-          </p:nvPr>
-        </p:nvSpPr>
-        <p:spPr/>
-        <p:txBody>
-          <a:bodyPr/>
-          <a:lstStyle/>
-          <a:p>
-            <a:endParaRPr lang="en-US"/>
-          </a:p>
-        </p:txBody>
-      </p:sp>
-      <p:pic>
-        <p:nvPicPr>
-          <p:cNvPr id="4" name="Picture 3"/>
-          <p:cNvPicPr>
-            <a:picLocks noChangeAspect="1"/>
-          </p:cNvPicPr>
-          <p:nvPr/>
-        </p:nvPicPr>
-        <p:blipFill>
-          <a:blip r:embed="rId2"/>
-          <a:stretch>
-            <a:fillRect/>
-          </a:stretch>
-        </p:blipFill>
-        <p:spPr>
-          <a:xfrm>
-            <a:off x="2265658" y="2194560"/>
-            <a:ext cx="7344800" cy="4239217"/>
-          </a:xfrm>
-          <a:prstGeom prst="rect">
-            <a:avLst/>
-          </a:prstGeom>
-        </p:spPr>
-      </p:pic>
-    </p:spTree>
-    <p:extLst>
-      <p:ext uri="{BB962C8B-B14F-4D97-AF65-F5344CB8AC3E}">
-        <p14:creationId xmlns:p14="http://schemas.microsoft.com/office/powerpoint/2010/main" val="1603003472"/>
-      </p:ext>
-    </p:extLst>
-  </p:cSld>
-  <p:clrMapOvr>
-    <a:masterClrMapping/>
-  </p:clrMapOvr>
-</p:sld>
-</file>
-
-<file path=ppt/slides/slide8.xml><?xml version="1.0" encoding="utf-8"?>
-<p:sld xmlns:a="http://schemas.openxmlformats.org/drawingml/2006/main" xmlns:r="http://schemas.openxmlformats.org/officeDocument/2006/relationships" xmlns:p="http://schemas.openxmlformats.org/presentationml/2006/main">
-  <p:cSld>
-    <p:spTree>
-      <p:nvGrpSpPr>
-        <p:cNvPr id="1" name=""/>
-        <p:cNvGrpSpPr/>
-        <p:nvPr/>
-      </p:nvGrpSpPr>
-      <p:grpSpPr>
-        <a:xfrm>
-          <a:off x="0" y="0"/>
-          <a:ext cx="0" cy="0"/>
-          <a:chOff x="0" y="0"/>
-          <a:chExt cx="0" cy="0"/>
-        </a:xfrm>
-      </p:grpSpPr>
-      <p:sp>
-        <p:nvSpPr>
-          <p:cNvPr id="2" name="Title 1"/>
-          <p:cNvSpPr>
-            <a:spLocks noGrp="1"/>
-          </p:cNvSpPr>
-          <p:nvPr>
-            <p:ph type="title"/>
-          </p:nvPr>
-        </p:nvSpPr>
-        <p:spPr/>
-        <p:txBody>
-          <a:bodyPr/>
-          <a:lstStyle/>
-          <a:p>
-            <a:pPr algn="ctr"/>
-            <a:r>
-              <a:rPr lang="vi-VN" dirty="0"/>
-              <a:t>Record Video demo</a:t>
-            </a:r>
-            <a:endParaRPr lang="en-US" dirty="0"/>
-          </a:p>
-        </p:txBody>
-      </p:sp>
-      <p:sp>
-        <p:nvSpPr>
-          <p:cNvPr id="3" name="Content Placeholder 2"/>
-          <p:cNvSpPr>
-            <a:spLocks noGrp="1"/>
-          </p:cNvSpPr>
-          <p:nvPr>
-            <p:ph idx="1"/>
-          </p:nvPr>
-        </p:nvSpPr>
-        <p:spPr/>
-        <p:txBody>
-          <a:bodyPr/>
-          <a:lstStyle/>
-          <a:p>
-            <a:endParaRPr lang="en-US"/>
-          </a:p>
-        </p:txBody>
-      </p:sp>
-    </p:spTree>
-    <p:extLst>
-      <p:ext uri="{BB962C8B-B14F-4D97-AF65-F5344CB8AC3E}">
-        <p14:creationId xmlns:p14="http://schemas.microsoft.com/office/powerpoint/2010/main" val="1307238198"/>
       </p:ext>
     </p:extLst>
   </p:cSld>
@@ -6930,22 +6733,13 @@
   <a:extraClrSchemeLst/>
   <a:extLst>
     <a:ext uri="{05A4C25C-085E-4340-85A3-A5531E510DB2}">
-      <thm15:themeFamily xmlns:thm15="http://schemas.microsoft.com/office/thememl/2012/main" name="Vapor Trail" id="{4FDF2955-7D9C-493C-B9F9-C205151B46CD}" vid="{8F31A783-2159-4870-BC29-2BA7D038EA44}"/>
+      <thm15:themeFamily xmlns:thm15="http://schemas.microsoft.com/office/thememl/2012/main" xmlns="" name="Vapor Trail" id="{4FDF2955-7D9C-493C-B9F9-C205151B46CD}" vid="{8F31A783-2159-4870-BC29-2BA7D038EA44}"/>
     </a:ext>
   </a:extLst>
 </a:theme>
 </file>
 
 <file path=customXml/item1.xml><?xml version="1.0" encoding="utf-8"?>
-<?mso-contentType ?>
-<FormTemplates xmlns="http://schemas.microsoft.com/sharepoint/v3/contenttype/forms">
-  <Display>DocumentLibraryForm</Display>
-  <Edit>DocumentLibraryForm</Edit>
-  <New>DocumentLibraryForm</New>
-</FormTemplates>
-</file>
-
-<file path=customXml/item2.xml><?xml version="1.0" encoding="utf-8"?>
 <ct:contentTypeSchema xmlns:ct="http://schemas.microsoft.com/office/2006/metadata/contentType" xmlns:ma="http://schemas.microsoft.com/office/2006/metadata/properties/metaAttributes" ct:_="" ma:_="" ma:contentTypeName="Tài liệu" ma:contentTypeID="0x010100D23CE91256A96844AC1A74847DE15B6B" ma:contentTypeVersion="0" ma:contentTypeDescription="Tạo tài liệu mới." ma:contentTypeScope="" ma:versionID="c4e0b9743241d1dd01b880de44281960">
   <xsd:schema xmlns:xsd="http://www.w3.org/2001/XMLSchema" xmlns:xs="http://www.w3.org/2001/XMLSchema" xmlns:p="http://schemas.microsoft.com/office/2006/metadata/properties" targetNamespace="http://schemas.microsoft.com/office/2006/metadata/properties" ma:root="true" ma:fieldsID="a664b36a7dd7b3722f550d395b0110e8">
     <xsd:element name="properties">
@@ -7059,15 +6853,16 @@
 </ct:contentTypeSchema>
 </file>
 
-<file path=customXml/itemProps1.xml><?xml version="1.0" encoding="utf-8"?>
-<ds:datastoreItem xmlns:ds="http://schemas.openxmlformats.org/officeDocument/2006/customXml" ds:itemID="{6A9FE595-CE05-4E05-A173-969A2D4896C3}">
-  <ds:schemaRefs>
-    <ds:schemaRef ds:uri="http://schemas.microsoft.com/sharepoint/v3/contenttype/forms"/>
-  </ds:schemaRefs>
-</ds:datastoreItem>
+<file path=customXml/item2.xml><?xml version="1.0" encoding="utf-8"?>
+<?mso-contentType ?>
+<FormTemplates xmlns="http://schemas.microsoft.com/sharepoint/v3/contenttype/forms">
+  <Display>DocumentLibraryForm</Display>
+  <Edit>DocumentLibraryForm</Edit>
+  <New>DocumentLibraryForm</New>
+</FormTemplates>
 </file>
 
-<file path=customXml/itemProps2.xml><?xml version="1.0" encoding="utf-8"?>
+<file path=customXml/itemProps1.xml><?xml version="1.0" encoding="utf-8"?>
 <ds:datastoreItem xmlns:ds="http://schemas.openxmlformats.org/officeDocument/2006/customXml" ds:itemID="{561D94BC-CFF0-40A1-9225-9995FF749D0D}">
   <ds:schemaRefs>
     <ds:schemaRef ds:uri="http://schemas.microsoft.com/office/2006/metadata/contentType"/>
@@ -7081,4 +6876,12 @@
     <ds:schemaRef ds:uri="http://schemas.microsoft.com/office/infopath/2007/PartnerControls"/>
   </ds:schemaRefs>
 </ds:datastoreItem>
+</file>
+
+<file path=customXml/itemProps2.xml><?xml version="1.0" encoding="utf-8"?>
+<ds:datastoreItem xmlns:ds="http://schemas.openxmlformats.org/officeDocument/2006/customXml" ds:itemID="{6A9FE595-CE05-4E05-A173-969A2D4896C3}">
+  <ds:schemaRefs>
+    <ds:schemaRef ds:uri="http://schemas.microsoft.com/sharepoint/v3/contenttype/forms"/>
+  </ds:schemaRefs>
+</ds:datastoreItem>
 </file>